--- a/Project2/pre/deephash.pptx
+++ b/Project2/pre/deephash.pptx
@@ -113,6 +113,11 @@
       </a:defRPr>
     </a:lvl9pPr>
   </p:defaultTextStyle>
+  <p:extLst>
+    <p:ext uri="{EFAFB233-063F-42B5-8137-9DF3F51BA10A}">
+      <p15:sldGuideLst xmlns:p15="http://schemas.microsoft.com/office/powerpoint/2012/main"/>
+    </p:ext>
+  </p:extLst>
 </p:presentation>
 </file>
 
@@ -3575,6 +3580,52 @@
           </a:p>
         </p:txBody>
       </p:sp>
+      <p:sp>
+        <p:nvSpPr>
+          <p:cNvPr id="3" name="TextBox 2"/>
+          <p:cNvSpPr txBox="1"/>
+          <p:nvPr/>
+        </p:nvSpPr>
+        <p:spPr>
+          <a:xfrm>
+            <a:off x="838199" y="1890668"/>
+            <a:ext cx="6297891" cy="461665"/>
+          </a:xfrm>
+          <a:prstGeom prst="rect">
+            <a:avLst/>
+          </a:prstGeom>
+          <a:noFill/>
+        </p:spPr>
+        <p:txBody>
+          <a:bodyPr wrap="square" rtlCol="0">
+            <a:spAutoFit/>
+          </a:bodyPr>
+          <a:lstStyle/>
+          <a:p>
+            <a:r>
+              <a:rPr lang="en-US" sz="2400" dirty="0" smtClean="0">
+                <a:solidFill>
+                  <a:schemeClr val="bg1"/>
+                </a:solidFill>
+              </a:rPr>
+              <a:t>P</a:t>
+            </a:r>
+            <a:r>
+              <a:rPr lang="en-US" altLang="zh-CN" sz="2400" dirty="0" smtClean="0">
+                <a:solidFill>
+                  <a:schemeClr val="bg1"/>
+                </a:solidFill>
+              </a:rPr>
+              <a:t>re-trained AlexNet + two fc (to be trained)</a:t>
+            </a:r>
+            <a:endParaRPr lang="en-US" sz="2400" dirty="0">
+              <a:solidFill>
+                <a:schemeClr val="bg1"/>
+              </a:solidFill>
+            </a:endParaRPr>
+          </a:p>
+        </p:txBody>
+      </p:sp>
     </p:spTree>
     <p:extLst>
       <p:ext uri="{BB962C8B-B14F-4D97-AF65-F5344CB8AC3E}">
@@ -3766,8 +3817,8 @@
           </a:p>
         </p:txBody>
       </p:sp>
-      <mc:AlternateContent xmlns:mc="http://schemas.openxmlformats.org/markup-compatibility/2006">
-        <mc:Choice xmlns:a14="http://schemas.microsoft.com/office/drawing/2010/main" Requires="a14">
+      <mc:AlternateContent xmlns:mc="http://schemas.openxmlformats.org/markup-compatibility/2006" xmlns:a14="http://schemas.microsoft.com/office/drawing/2010/main">
+        <mc:Choice Requires="a14">
           <p:sp>
             <p:nvSpPr>
               <p:cNvPr id="3" name="Content Placeholder 2"/>
@@ -4121,7 +4172,7 @@
             </p:txBody>
           </p:sp>
         </mc:Choice>
-        <mc:Fallback>
+        <mc:Fallback xmlns="">
           <p:sp>
             <p:nvSpPr>
               <p:cNvPr id="3" name="Content Placeholder 2"/>

--- a/Project2/pre/deephash.pptx
+++ b/Project2/pre/deephash.pptx
@@ -5,16 +5,18 @@
     <p:sldMasterId id="2147483648" r:id="rId1"/>
   </p:sldMasterIdLst>
   <p:notesMasterIdLst>
-    <p:notesMasterId r:id="rId9"/>
+    <p:notesMasterId r:id="rId11"/>
   </p:notesMasterIdLst>
   <p:sldIdLst>
     <p:sldId id="256" r:id="rId2"/>
     <p:sldId id="257" r:id="rId3"/>
     <p:sldId id="258" r:id="rId4"/>
     <p:sldId id="259" r:id="rId5"/>
-    <p:sldId id="260" r:id="rId6"/>
-    <p:sldId id="261" r:id="rId7"/>
-    <p:sldId id="262" r:id="rId8"/>
+    <p:sldId id="263" r:id="rId6"/>
+    <p:sldId id="260" r:id="rId7"/>
+    <p:sldId id="261" r:id="rId8"/>
+    <p:sldId id="264" r:id="rId9"/>
+    <p:sldId id="262" r:id="rId10"/>
   </p:sldIdLst>
   <p:sldSz cx="12192000" cy="6858000"/>
   <p:notesSz cx="6858000" cy="9144000"/>
@@ -4265,6 +4267,210 @@
                   <a:schemeClr val="bg1"/>
                 </a:solidFill>
               </a:rPr>
+              <a:t>Analysis</a:t>
+            </a:r>
+            <a:endParaRPr lang="en-US" dirty="0">
+              <a:solidFill>
+                <a:schemeClr val="bg1"/>
+              </a:solidFill>
+            </a:endParaRPr>
+          </a:p>
+        </p:txBody>
+      </p:sp>
+      <p:pic>
+        <p:nvPicPr>
+          <p:cNvPr id="4" name="Content Placeholder 3"/>
+          <p:cNvPicPr>
+            <a:picLocks noGrp="1" noChangeAspect="1"/>
+          </p:cNvPicPr>
+          <p:nvPr>
+            <p:ph idx="1"/>
+          </p:nvPr>
+        </p:nvPicPr>
+        <p:blipFill>
+          <a:blip r:embed="rId2">
+            <a:extLst>
+              <a:ext uri="{28A0092B-C50C-407E-A947-70E740481C1C}">
+                <a14:useLocalDpi xmlns:a14="http://schemas.microsoft.com/office/drawing/2010/main" val="0"/>
+              </a:ext>
+            </a:extLst>
+          </a:blip>
+          <a:stretch>
+            <a:fillRect/>
+          </a:stretch>
+        </p:blipFill>
+        <p:spPr>
+          <a:xfrm>
+            <a:off x="334180" y="1690688"/>
+            <a:ext cx="5761820" cy="4351338"/>
+          </a:xfrm>
+        </p:spPr>
+      </p:pic>
+      <p:pic>
+        <p:nvPicPr>
+          <p:cNvPr id="5" name="Picture 4"/>
+          <p:cNvPicPr>
+            <a:picLocks noChangeAspect="1"/>
+          </p:cNvPicPr>
+          <p:nvPr/>
+        </p:nvPicPr>
+        <p:blipFill>
+          <a:blip r:embed="rId3">
+            <a:extLst>
+              <a:ext uri="{28A0092B-C50C-407E-A947-70E740481C1C}">
+                <a14:useLocalDpi xmlns:a14="http://schemas.microsoft.com/office/drawing/2010/main" val="0"/>
+              </a:ext>
+            </a:extLst>
+          </a:blip>
+          <a:stretch>
+            <a:fillRect/>
+          </a:stretch>
+        </p:blipFill>
+        <p:spPr>
+          <a:xfrm>
+            <a:off x="5943599" y="1690784"/>
+            <a:ext cx="5761693" cy="4351242"/>
+          </a:xfrm>
+          <a:prstGeom prst="rect">
+            <a:avLst/>
+          </a:prstGeom>
+        </p:spPr>
+      </p:pic>
+      <p:sp>
+        <p:nvSpPr>
+          <p:cNvPr id="6" name="TextBox 5"/>
+          <p:cNvSpPr txBox="1"/>
+          <p:nvPr/>
+        </p:nvSpPr>
+        <p:spPr>
+          <a:xfrm>
+            <a:off x="2715905" y="6284793"/>
+            <a:ext cx="830677" cy="369332"/>
+          </a:xfrm>
+          <a:prstGeom prst="rect">
+            <a:avLst/>
+          </a:prstGeom>
+          <a:noFill/>
+        </p:spPr>
+        <p:txBody>
+          <a:bodyPr wrap="none" rtlCol="0">
+            <a:spAutoFit/>
+          </a:bodyPr>
+          <a:lstStyle/>
+          <a:p>
+            <a:r>
+              <a:rPr lang="en-US" dirty="0" smtClean="0">
+                <a:solidFill>
+                  <a:schemeClr val="bg1"/>
+                </a:solidFill>
+              </a:rPr>
+              <a:t>48-bits</a:t>
+            </a:r>
+            <a:endParaRPr lang="en-US" dirty="0">
+              <a:solidFill>
+                <a:schemeClr val="bg1"/>
+              </a:solidFill>
+            </a:endParaRPr>
+          </a:p>
+        </p:txBody>
+      </p:sp>
+      <p:sp>
+        <p:nvSpPr>
+          <p:cNvPr id="7" name="TextBox 6"/>
+          <p:cNvSpPr txBox="1"/>
+          <p:nvPr/>
+        </p:nvSpPr>
+        <p:spPr>
+          <a:xfrm>
+            <a:off x="8475259" y="6271146"/>
+            <a:ext cx="830677" cy="369332"/>
+          </a:xfrm>
+          <a:prstGeom prst="rect">
+            <a:avLst/>
+          </a:prstGeom>
+          <a:noFill/>
+        </p:spPr>
+        <p:txBody>
+          <a:bodyPr wrap="none" rtlCol="0">
+            <a:spAutoFit/>
+          </a:bodyPr>
+          <a:lstStyle/>
+          <a:p>
+            <a:r>
+              <a:rPr lang="en-US" dirty="0" smtClean="0">
+                <a:solidFill>
+                  <a:schemeClr val="bg1"/>
+                </a:solidFill>
+              </a:rPr>
+              <a:t>64-bits</a:t>
+            </a:r>
+            <a:endParaRPr lang="en-US" dirty="0">
+              <a:solidFill>
+                <a:schemeClr val="bg1"/>
+              </a:solidFill>
+            </a:endParaRPr>
+          </a:p>
+        </p:txBody>
+      </p:sp>
+    </p:spTree>
+    <p:extLst>
+      <p:ext uri="{BB962C8B-B14F-4D97-AF65-F5344CB8AC3E}">
+        <p14:creationId xmlns:p14="http://schemas.microsoft.com/office/powerpoint/2010/main" val="2514947289"/>
+      </p:ext>
+    </p:extLst>
+  </p:cSld>
+  <p:clrMapOvr>
+    <a:masterClrMapping/>
+  </p:clrMapOvr>
+</p:sld>
+</file>
+
+<file path=ppt/slides/slide6.xml><?xml version="1.0" encoding="utf-8"?>
+<p:sld xmlns:a="http://schemas.openxmlformats.org/drawingml/2006/main" xmlns:r="http://schemas.openxmlformats.org/officeDocument/2006/relationships" xmlns:p="http://schemas.openxmlformats.org/presentationml/2006/main">
+  <p:cSld>
+    <p:bg>
+      <p:bgPr>
+        <a:solidFill>
+          <a:schemeClr val="tx1"/>
+        </a:solidFill>
+        <a:effectLst/>
+      </p:bgPr>
+    </p:bg>
+    <p:spTree>
+      <p:nvGrpSpPr>
+        <p:cNvPr id="1" name=""/>
+        <p:cNvGrpSpPr/>
+        <p:nvPr/>
+      </p:nvGrpSpPr>
+      <p:grpSpPr>
+        <a:xfrm>
+          <a:off x="0" y="0"/>
+          <a:ext cx="0" cy="0"/>
+          <a:chOff x="0" y="0"/>
+          <a:chExt cx="0" cy="0"/>
+        </a:xfrm>
+      </p:grpSpPr>
+      <p:sp>
+        <p:nvSpPr>
+          <p:cNvPr id="2" name="Title 1"/>
+          <p:cNvSpPr>
+            <a:spLocks noGrp="1"/>
+          </p:cNvSpPr>
+          <p:nvPr>
+            <p:ph type="title"/>
+          </p:nvPr>
+        </p:nvSpPr>
+        <p:spPr/>
+        <p:txBody>
+          <a:bodyPr/>
+          <a:lstStyle/>
+          <a:p>
+            <a:r>
+              <a:rPr lang="en-US" dirty="0" smtClean="0">
+                <a:solidFill>
+                  <a:schemeClr val="bg1"/>
+                </a:solidFill>
+              </a:rPr>
               <a:t>Result</a:t>
             </a:r>
             <a:endParaRPr lang="en-US" dirty="0">
@@ -4285,14 +4491,14 @@
             <p:ph idx="1"/>
             <p:extLst>
               <p:ext uri="{D42A27DB-BD31-4B8C-83A1-F6EECF244321}">
-                <p14:modId xmlns:p14="http://schemas.microsoft.com/office/powerpoint/2010/main" val="2260715157"/>
+                <p14:modId xmlns:p14="http://schemas.microsoft.com/office/powerpoint/2010/main" val="2800398165"/>
               </p:ext>
             </p:extLst>
           </p:nvPr>
         </p:nvGraphicFramePr>
         <p:xfrm>
-          <a:off x="838200" y="1825625"/>
-          <a:ext cx="10515600" cy="4009910"/>
+          <a:off x="838200" y="1340290"/>
+          <a:ext cx="10515600" cy="5392470"/>
         </p:xfrm>
         <a:graphic>
           <a:graphicData uri="http://schemas.openxmlformats.org/drawingml/2006/table">
@@ -4323,7 +4529,7 @@
                   </a:extLst>
                 </a:gridCol>
               </a:tblGrid>
-              <a:tr h="2004955">
+              <a:tr h="1340290">
                 <a:tc>
                   <a:txBody>
                     <a:bodyPr/>
@@ -4391,7 +4597,7 @@
                   </a:ext>
                 </a:extLst>
               </a:tr>
-              <a:tr h="2004955">
+              <a:tr h="1340290">
                 <a:tc>
                   <a:txBody>
                     <a:bodyPr/>
@@ -4425,7 +4631,19 @@
                     <a:lstStyle/>
                     <a:p>
                       <a:pPr algn="ctr"/>
-                      <a:endParaRPr lang="en-US" sz="2800" dirty="0"/>
+                      <a:r>
+                        <a:rPr lang="en-US" sz="2800" dirty="0" smtClean="0">
+                          <a:solidFill>
+                            <a:schemeClr val="bg1"/>
+                          </a:solidFill>
+                        </a:rPr>
+                        <a:t>83.8</a:t>
+                      </a:r>
+                      <a:endParaRPr lang="en-US" sz="2800" dirty="0">
+                        <a:solidFill>
+                          <a:schemeClr val="bg1"/>
+                        </a:solidFill>
+                      </a:endParaRPr>
                     </a:p>
                   </a:txBody>
                   <a:tcPr anchor="ctr">
@@ -4440,7 +4658,19 @@
                     <a:lstStyle/>
                     <a:p>
                       <a:pPr algn="ctr"/>
-                      <a:endParaRPr lang="en-US" sz="2800" dirty="0"/>
+                      <a:r>
+                        <a:rPr lang="en-US" sz="2800" dirty="0" smtClean="0">
+                          <a:solidFill>
+                            <a:schemeClr val="bg1"/>
+                          </a:solidFill>
+                        </a:rPr>
+                        <a:t>87.1</a:t>
+                      </a:r>
+                      <a:endParaRPr lang="en-US" sz="2800" dirty="0">
+                        <a:solidFill>
+                          <a:schemeClr val="bg1"/>
+                        </a:solidFill>
+                      </a:endParaRPr>
                     </a:p>
                   </a:txBody>
                   <a:tcPr anchor="ctr">
@@ -4452,6 +4682,244 @@
                 <a:extLst>
                   <a:ext uri="{0D108BD9-81ED-4DB2-BD59-A6C34878D82A}">
                     <a16:rowId xmlns:a16="http://schemas.microsoft.com/office/drawing/2014/main" val="415635978"/>
+                  </a:ext>
+                </a:extLst>
+              </a:tr>
+              <a:tr h="1340290">
+                <a:tc>
+                  <a:txBody>
+                    <a:bodyPr/>
+                    <a:lstStyle/>
+                    <a:p>
+                      <a:pPr algn="ctr"/>
+                      <a:r>
+                        <a:rPr lang="en-US" sz="2800" dirty="0" smtClean="0">
+                          <a:solidFill>
+                            <a:schemeClr val="bg1"/>
+                          </a:solidFill>
+                        </a:rPr>
+                        <a:t>Top 10</a:t>
+                      </a:r>
+                      <a:r>
+                        <a:rPr lang="en-US" sz="2800" baseline="0" dirty="0" smtClean="0">
+                          <a:solidFill>
+                            <a:schemeClr val="bg1"/>
+                          </a:solidFill>
+                        </a:rPr>
+                        <a:t> Accuracy(%)</a:t>
+                      </a:r>
+                      <a:endParaRPr lang="en-US" sz="2800" dirty="0">
+                        <a:solidFill>
+                          <a:schemeClr val="bg1"/>
+                        </a:solidFill>
+                      </a:endParaRPr>
+                    </a:p>
+                  </a:txBody>
+                  <a:tcPr anchor="ctr">
+                    <a:solidFill>
+                      <a:schemeClr val="tx1"/>
+                    </a:solidFill>
+                  </a:tcPr>
+                </a:tc>
+                <a:tc>
+                  <a:txBody>
+                    <a:bodyPr/>
+                    <a:lstStyle/>
+                    <a:p>
+                      <a:pPr algn="ctr"/>
+                      <a:r>
+                        <a:rPr lang="en-US" sz="2800" dirty="0" smtClean="0">
+                          <a:solidFill>
+                            <a:schemeClr val="bg1"/>
+                          </a:solidFill>
+                        </a:rPr>
+                        <a:t>98.2</a:t>
+                      </a:r>
+                    </a:p>
+                    <a:p>
+                      <a:pPr algn="ctr"/>
+                      <a:r>
+                        <a:rPr lang="en-US" sz="2800" dirty="0" smtClean="0">
+                          <a:solidFill>
+                            <a:schemeClr val="bg1"/>
+                          </a:solidFill>
+                        </a:rPr>
+                        <a:t>(Hamming</a:t>
+                      </a:r>
+                      <a:r>
+                        <a:rPr lang="en-US" sz="2800" baseline="0" dirty="0" smtClean="0">
+                          <a:solidFill>
+                            <a:schemeClr val="bg1"/>
+                          </a:solidFill>
+                        </a:rPr>
+                        <a:t> Distance&lt;=7</a:t>
+                      </a:r>
+                      <a:r>
+                        <a:rPr lang="en-US" sz="2800" dirty="0" smtClean="0">
+                          <a:solidFill>
+                            <a:schemeClr val="bg1"/>
+                          </a:solidFill>
+                        </a:rPr>
+                        <a:t>)</a:t>
+                      </a:r>
+                      <a:endParaRPr lang="en-US" sz="2800" dirty="0">
+                        <a:solidFill>
+                          <a:schemeClr val="bg1"/>
+                        </a:solidFill>
+                      </a:endParaRPr>
+                    </a:p>
+                  </a:txBody>
+                  <a:tcPr anchor="ctr">
+                    <a:solidFill>
+                      <a:schemeClr val="tx1"/>
+                    </a:solidFill>
+                  </a:tcPr>
+                </a:tc>
+                <a:tc>
+                  <a:txBody>
+                    <a:bodyPr/>
+                    <a:lstStyle/>
+                    <a:p>
+                      <a:pPr algn="ctr"/>
+                      <a:r>
+                        <a:rPr lang="en-US" sz="2800" dirty="0" smtClean="0">
+                          <a:solidFill>
+                            <a:schemeClr val="bg1"/>
+                          </a:solidFill>
+                        </a:rPr>
+                        <a:t>98.6</a:t>
+                      </a:r>
+                    </a:p>
+                    <a:p>
+                      <a:pPr algn="ctr"/>
+                      <a:r>
+                        <a:rPr lang="en-US" sz="2800" dirty="0" smtClean="0">
+                          <a:solidFill>
+                            <a:schemeClr val="bg1"/>
+                          </a:solidFill>
+                        </a:rPr>
+                        <a:t>(Hamming Distance&lt;=7)</a:t>
+                      </a:r>
+                      <a:endParaRPr lang="en-US" sz="2800" dirty="0">
+                        <a:solidFill>
+                          <a:schemeClr val="bg1"/>
+                        </a:solidFill>
+                      </a:endParaRPr>
+                    </a:p>
+                  </a:txBody>
+                  <a:tcPr anchor="ctr">
+                    <a:solidFill>
+                      <a:schemeClr val="tx1"/>
+                    </a:solidFill>
+                  </a:tcPr>
+                </a:tc>
+                <a:extLst>
+                  <a:ext uri="{0D108BD9-81ED-4DB2-BD59-A6C34878D82A}">
+                    <a16:rowId xmlns:a16="http://schemas.microsoft.com/office/drawing/2014/main" val="3675607128"/>
+                  </a:ext>
+                </a:extLst>
+              </a:tr>
+              <a:tr h="1340290">
+                <a:tc>
+                  <a:txBody>
+                    <a:bodyPr/>
+                    <a:lstStyle/>
+                    <a:p>
+                      <a:pPr algn="ctr"/>
+                      <a:r>
+                        <a:rPr lang="en-US" sz="2800" dirty="0" smtClean="0">
+                          <a:solidFill>
+                            <a:schemeClr val="bg1"/>
+                          </a:solidFill>
+                        </a:rPr>
+                        <a:t>Query Time(s/1000</a:t>
+                      </a:r>
+                      <a:r>
+                        <a:rPr lang="en-US" sz="2800" baseline="0" dirty="0" smtClean="0">
+                          <a:solidFill>
+                            <a:schemeClr val="bg1"/>
+                          </a:solidFill>
+                        </a:rPr>
+                        <a:t> queries</a:t>
+                      </a:r>
+                      <a:r>
+                        <a:rPr lang="en-US" sz="2800" dirty="0" smtClean="0">
+                          <a:solidFill>
+                            <a:schemeClr val="bg1"/>
+                          </a:solidFill>
+                        </a:rPr>
+                        <a:t>)</a:t>
+                      </a:r>
+                      <a:endParaRPr lang="en-US" sz="2800" dirty="0">
+                        <a:solidFill>
+                          <a:schemeClr val="bg1"/>
+                        </a:solidFill>
+                      </a:endParaRPr>
+                    </a:p>
+                  </a:txBody>
+                  <a:tcPr anchor="ctr">
+                    <a:solidFill>
+                      <a:schemeClr val="tx1"/>
+                    </a:solidFill>
+                  </a:tcPr>
+                </a:tc>
+                <a:tc>
+                  <a:txBody>
+                    <a:bodyPr/>
+                    <a:lstStyle/>
+                    <a:p>
+                      <a:pPr algn="ctr"/>
+                      <a:r>
+                        <a:rPr lang="en-US" sz="2800" dirty="0" smtClean="0">
+                          <a:solidFill>
+                            <a:schemeClr val="bg1"/>
+                          </a:solidFill>
+                        </a:rPr>
+                        <a:t>2.02</a:t>
+                      </a:r>
+                      <a:endParaRPr lang="en-US" sz="2800" dirty="0">
+                        <a:solidFill>
+                          <a:schemeClr val="bg1"/>
+                        </a:solidFill>
+                      </a:endParaRPr>
+                    </a:p>
+                  </a:txBody>
+                  <a:tcPr anchor="ctr">
+                    <a:solidFill>
+                      <a:schemeClr val="tx1"/>
+                    </a:solidFill>
+                  </a:tcPr>
+                </a:tc>
+                <a:tc>
+                  <a:txBody>
+                    <a:bodyPr/>
+                    <a:lstStyle/>
+                    <a:p>
+                      <a:pPr algn="ctr"/>
+                      <a:r>
+                        <a:rPr lang="en-US" sz="2800" dirty="0" smtClean="0">
+                          <a:solidFill>
+                            <a:schemeClr val="bg1"/>
+                          </a:solidFill>
+                        </a:rPr>
+                        <a:t>4.37</a:t>
+                      </a:r>
+                      <a:endParaRPr lang="en-US" sz="2800" dirty="0">
+                        <a:solidFill>
+                          <a:schemeClr val="bg1"/>
+                        </a:solidFill>
+                      </a:endParaRPr>
+                    </a:p>
+                  </a:txBody>
+                  <a:tcPr anchor="ctr">
+                    <a:solidFill>
+                      <a:schemeClr val="tx1"/>
+                    </a:solidFill>
+                  </a:tcPr>
+                </a:tc>
+                <a:extLst>
+                  <a:ext uri="{0D108BD9-81ED-4DB2-BD59-A6C34878D82A}">
+                    <a16:rowId xmlns:a16="http://schemas.microsoft.com/office/drawing/2014/main" val="3794181208"/>
                   </a:ext>
                 </a:extLst>
               </a:tr>
@@ -4472,7 +4940,7 @@
 </p:sld>
 </file>
 
-<file path=ppt/slides/slide6.xml><?xml version="1.0" encoding="utf-8"?>
+<file path=ppt/slides/slide7.xml><?xml version="1.0" encoding="utf-8"?>
 <p:sld xmlns:a="http://schemas.openxmlformats.org/drawingml/2006/main" xmlns:r="http://schemas.openxmlformats.org/officeDocument/2006/relationships" xmlns:p="http://schemas.openxmlformats.org/presentationml/2006/main">
   <p:cSld>
     <p:bg>
@@ -4528,25 +4996,34 @@
           </a:p>
         </p:txBody>
       </p:sp>
-      <p:sp>
-        <p:nvSpPr>
-          <p:cNvPr id="3" name="Content Placeholder 2"/>
-          <p:cNvSpPr>
-            <a:spLocks noGrp="1"/>
-          </p:cNvSpPr>
+      <p:pic>
+        <p:nvPicPr>
+          <p:cNvPr id="4" name="Content Placeholder 3"/>
+          <p:cNvPicPr>
+            <a:picLocks noGrp="1" noChangeAspect="1"/>
+          </p:cNvPicPr>
           <p:nvPr>
             <p:ph idx="1"/>
           </p:nvPr>
-        </p:nvSpPr>
-        <p:spPr/>
-        <p:txBody>
-          <a:bodyPr/>
-          <a:lstStyle/>
-          <a:p>
-            <a:endParaRPr lang="en-US" dirty="0"/>
-          </a:p>
-        </p:txBody>
-      </p:sp>
+        </p:nvPicPr>
+        <p:blipFill rotWithShape="1">
+          <a:blip r:embed="rId2">
+            <a:extLst>
+              <a:ext uri="{28A0092B-C50C-407E-A947-70E740481C1C}">
+                <a14:useLocalDpi xmlns:a14="http://schemas.microsoft.com/office/drawing/2010/main" val="0"/>
+              </a:ext>
+            </a:extLst>
+          </a:blip>
+          <a:srcRect l="8503" t="9168" r="7794" b="24966"/>
+          <a:stretch/>
+        </p:blipFill>
+        <p:spPr>
+          <a:xfrm>
+            <a:off x="1978925" y="1690688"/>
+            <a:ext cx="8413845" cy="4718044"/>
+          </a:xfrm>
+        </p:spPr>
+      </p:pic>
     </p:spTree>
     <p:extLst>
       <p:ext uri="{BB962C8B-B14F-4D97-AF65-F5344CB8AC3E}">
@@ -4560,7 +5037,104 @@
 </p:sld>
 </file>
 
-<file path=ppt/slides/slide7.xml><?xml version="1.0" encoding="utf-8"?>
+<file path=ppt/slides/slide8.xml><?xml version="1.0" encoding="utf-8"?>
+<p:sld xmlns:a="http://schemas.openxmlformats.org/drawingml/2006/main" xmlns:r="http://schemas.openxmlformats.org/officeDocument/2006/relationships" xmlns:p="http://schemas.openxmlformats.org/presentationml/2006/main">
+  <p:cSld>
+    <p:bg>
+      <p:bgPr>
+        <a:solidFill>
+          <a:schemeClr val="tx1"/>
+        </a:solidFill>
+        <a:effectLst/>
+      </p:bgPr>
+    </p:bg>
+    <p:spTree>
+      <p:nvGrpSpPr>
+        <p:cNvPr id="1" name=""/>
+        <p:cNvGrpSpPr/>
+        <p:nvPr/>
+      </p:nvGrpSpPr>
+      <p:grpSpPr>
+        <a:xfrm>
+          <a:off x="0" y="0"/>
+          <a:ext cx="0" cy="0"/>
+          <a:chOff x="0" y="0"/>
+          <a:chExt cx="0" cy="0"/>
+        </a:xfrm>
+      </p:grpSpPr>
+      <p:sp>
+        <p:nvSpPr>
+          <p:cNvPr id="2" name="Title 1"/>
+          <p:cNvSpPr>
+            <a:spLocks noGrp="1"/>
+          </p:cNvSpPr>
+          <p:nvPr>
+            <p:ph type="title"/>
+          </p:nvPr>
+        </p:nvSpPr>
+        <p:spPr/>
+        <p:txBody>
+          <a:bodyPr/>
+          <a:lstStyle/>
+          <a:p>
+            <a:r>
+              <a:rPr lang="en-US" dirty="0" smtClean="0">
+                <a:solidFill>
+                  <a:schemeClr val="bg1"/>
+                </a:solidFill>
+              </a:rPr>
+              <a:t>Some Examples</a:t>
+            </a:r>
+            <a:endParaRPr lang="en-US" dirty="0">
+              <a:solidFill>
+                <a:schemeClr val="bg1"/>
+              </a:solidFill>
+            </a:endParaRPr>
+          </a:p>
+        </p:txBody>
+      </p:sp>
+      <p:pic>
+        <p:nvPicPr>
+          <p:cNvPr id="4" name="Content Placeholder 3"/>
+          <p:cNvPicPr>
+            <a:picLocks noGrp="1" noChangeAspect="1"/>
+          </p:cNvPicPr>
+          <p:nvPr>
+            <p:ph idx="1"/>
+          </p:nvPr>
+        </p:nvPicPr>
+        <p:blipFill rotWithShape="1">
+          <a:blip r:embed="rId2" cstate="print">
+            <a:extLst>
+              <a:ext uri="{28A0092B-C50C-407E-A947-70E740481C1C}">
+                <a14:useLocalDpi xmlns:a14="http://schemas.microsoft.com/office/drawing/2010/main" val="0"/>
+              </a:ext>
+            </a:extLst>
+          </a:blip>
+          <a:srcRect l="9780" t="9639" r="7015" b="24338"/>
+          <a:stretch/>
+        </p:blipFill>
+        <p:spPr>
+          <a:xfrm>
+            <a:off x="1848134" y="1690688"/>
+            <a:ext cx="8326272" cy="4993389"/>
+          </a:xfrm>
+        </p:spPr>
+      </p:pic>
+    </p:spTree>
+    <p:extLst>
+      <p:ext uri="{BB962C8B-B14F-4D97-AF65-F5344CB8AC3E}">
+        <p14:creationId xmlns:p14="http://schemas.microsoft.com/office/powerpoint/2010/main" val="1275120845"/>
+      </p:ext>
+    </p:extLst>
+  </p:cSld>
+  <p:clrMapOvr>
+    <a:masterClrMapping/>
+  </p:clrMapOvr>
+</p:sld>
+</file>
+
+<file path=ppt/slides/slide9.xml><?xml version="1.0" encoding="utf-8"?>
 <p:sld xmlns:a="http://schemas.openxmlformats.org/drawingml/2006/main" xmlns:r="http://schemas.openxmlformats.org/officeDocument/2006/relationships" xmlns:p="http://schemas.openxmlformats.org/presentationml/2006/main">
   <p:cSld>
     <p:bg>
